--- a/Java_2021/Project_Lombok_how_to-use/Project Lombok in Java and How to get started.pptx
+++ b/Java_2021/Project_Lombok_how_to-use/Project Lombok in Java and How to get started.pptx
@@ -5,13 +5,14 @@
     <p:sldMasterId id="2147483696" r:id="rId1"/>
   </p:sldMasterIdLst>
   <p:notesMasterIdLst>
-    <p:notesMasterId r:id="rId6"/>
+    <p:notesMasterId r:id="rId7"/>
   </p:notesMasterIdLst>
   <p:sldIdLst>
     <p:sldId id="261" r:id="rId2"/>
-    <p:sldId id="262" r:id="rId3"/>
-    <p:sldId id="263" r:id="rId4"/>
-    <p:sldId id="259" r:id="rId5"/>
+    <p:sldId id="265" r:id="rId3"/>
+    <p:sldId id="262" r:id="rId4"/>
+    <p:sldId id="263" r:id="rId5"/>
+    <p:sldId id="264" r:id="rId6"/>
   </p:sldIdLst>
   <p:sldSz cx="12192000" cy="6858000"/>
   <p:notesSz cx="6858000" cy="9144000"/>
@@ -200,7 +201,7 @@
           <a:p>
             <a:fld id="{B952EE8D-25A7-481D-92B1-5085E9B9CBCE}" type="datetimeFigureOut">
               <a:rPr lang="en-US" smtClean="0"/>
-              <a:t>6/29/2021</a:t>
+              <a:t>6/30/2021</a:t>
             </a:fld>
             <a:endParaRPr lang="en-US"/>
           </a:p>
@@ -467,6 +468,90 @@
 </p:notesMaster>
 </file>
 
+<file path=ppt/notesSlides/notesSlide1.xml><?xml version="1.0" encoding="utf-8"?>
+<p:notes xmlns:a="http://schemas.openxmlformats.org/drawingml/2006/main" xmlns:r="http://schemas.openxmlformats.org/officeDocument/2006/relationships" xmlns:p="http://schemas.openxmlformats.org/presentationml/2006/main">
+  <p:cSld>
+    <p:spTree>
+      <p:nvGrpSpPr>
+        <p:cNvPr id="1" name=""/>
+        <p:cNvGrpSpPr/>
+        <p:nvPr/>
+      </p:nvGrpSpPr>
+      <p:grpSpPr>
+        <a:xfrm>
+          <a:off x="0" y="0"/>
+          <a:ext cx="0" cy="0"/>
+          <a:chOff x="0" y="0"/>
+          <a:chExt cx="0" cy="0"/>
+        </a:xfrm>
+      </p:grpSpPr>
+      <p:sp>
+        <p:nvSpPr>
+          <p:cNvPr id="2" name="Slide Image Placeholder 1"/>
+          <p:cNvSpPr>
+            <a:spLocks noGrp="1" noRot="1" noChangeAspect="1"/>
+          </p:cNvSpPr>
+          <p:nvPr>
+            <p:ph type="sldImg"/>
+          </p:nvPr>
+        </p:nvSpPr>
+        <p:spPr/>
+      </p:sp>
+      <p:sp>
+        <p:nvSpPr>
+          <p:cNvPr id="3" name="Notes Placeholder 2"/>
+          <p:cNvSpPr>
+            <a:spLocks noGrp="1"/>
+          </p:cNvSpPr>
+          <p:nvPr>
+            <p:ph type="body" idx="1"/>
+          </p:nvPr>
+        </p:nvSpPr>
+        <p:spPr/>
+        <p:txBody>
+          <a:bodyPr/>
+          <a:lstStyle/>
+          <a:p>
+            <a:endParaRPr lang="en-US" dirty="0"/>
+          </a:p>
+        </p:txBody>
+      </p:sp>
+      <p:sp>
+        <p:nvSpPr>
+          <p:cNvPr id="4" name="Slide Number Placeholder 3"/>
+          <p:cNvSpPr>
+            <a:spLocks noGrp="1"/>
+          </p:cNvSpPr>
+          <p:nvPr>
+            <p:ph type="sldNum" sz="quarter" idx="5"/>
+          </p:nvPr>
+        </p:nvSpPr>
+        <p:spPr/>
+        <p:txBody>
+          <a:bodyPr/>
+          <a:lstStyle/>
+          <a:p>
+            <a:fld id="{AD37CF65-9970-447E-AA48-CA3947E9A255}" type="slidenum">
+              <a:rPr lang="en-US" smtClean="0"/>
+              <a:t>5</a:t>
+            </a:fld>
+            <a:endParaRPr lang="en-US"/>
+          </a:p>
+        </p:txBody>
+      </p:sp>
+    </p:spTree>
+    <p:extLst>
+      <p:ext uri="{BB962C8B-B14F-4D97-AF65-F5344CB8AC3E}">
+        <p14:creationId xmlns:p14="http://schemas.microsoft.com/office/powerpoint/2010/main" val="315349851"/>
+      </p:ext>
+    </p:extLst>
+  </p:cSld>
+  <p:clrMapOvr>
+    <a:masterClrMapping/>
+  </p:clrMapOvr>
+</p:notes>
+</file>
+
 <file path=ppt/slideLayouts/slideLayout1.xml><?xml version="1.0" encoding="utf-8"?>
 <p:sldLayout xmlns:a="http://schemas.openxmlformats.org/drawingml/2006/main" xmlns:r="http://schemas.openxmlformats.org/officeDocument/2006/relationships" xmlns:p="http://schemas.openxmlformats.org/presentationml/2006/main" type="title" preserve="1">
   <p:cSld name="Title Slide">
@@ -598,7 +683,7 @@
           <a:p>
             <a:fld id="{2A11AA57-4071-4FC9-B184-208BADF0EDDB}" type="datetimeFigureOut">
               <a:rPr lang="en-US" smtClean="0"/>
-              <a:t>6/29/2021</a:t>
+              <a:t>6/30/2021</a:t>
             </a:fld>
             <a:endParaRPr lang="en-US"/>
           </a:p>
@@ -768,7 +853,7 @@
           <a:p>
             <a:fld id="{2A11AA57-4071-4FC9-B184-208BADF0EDDB}" type="datetimeFigureOut">
               <a:rPr lang="en-US" smtClean="0"/>
-              <a:t>6/29/2021</a:t>
+              <a:t>6/30/2021</a:t>
             </a:fld>
             <a:endParaRPr lang="en-US"/>
           </a:p>
@@ -948,7 +1033,7 @@
           <a:p>
             <a:fld id="{2A11AA57-4071-4FC9-B184-208BADF0EDDB}" type="datetimeFigureOut">
               <a:rPr lang="en-US" smtClean="0"/>
-              <a:t>6/29/2021</a:t>
+              <a:t>6/30/2021</a:t>
             </a:fld>
             <a:endParaRPr lang="en-US"/>
           </a:p>
@@ -1118,7 +1203,7 @@
           <a:p>
             <a:fld id="{2A11AA57-4071-4FC9-B184-208BADF0EDDB}" type="datetimeFigureOut">
               <a:rPr lang="en-US" smtClean="0"/>
-              <a:t>6/29/2021</a:t>
+              <a:t>6/30/2021</a:t>
             </a:fld>
             <a:endParaRPr lang="en-US"/>
           </a:p>
@@ -1364,7 +1449,7 @@
           <a:p>
             <a:fld id="{2A11AA57-4071-4FC9-B184-208BADF0EDDB}" type="datetimeFigureOut">
               <a:rPr lang="en-US" smtClean="0"/>
-              <a:t>6/29/2021</a:t>
+              <a:t>6/30/2021</a:t>
             </a:fld>
             <a:endParaRPr lang="en-US"/>
           </a:p>
@@ -1596,7 +1681,7 @@
           <a:p>
             <a:fld id="{2A11AA57-4071-4FC9-B184-208BADF0EDDB}" type="datetimeFigureOut">
               <a:rPr lang="en-US" smtClean="0"/>
-              <a:t>6/29/2021</a:t>
+              <a:t>6/30/2021</a:t>
             </a:fld>
             <a:endParaRPr lang="en-US"/>
           </a:p>
@@ -1963,7 +2048,7 @@
           <a:p>
             <a:fld id="{2A11AA57-4071-4FC9-B184-208BADF0EDDB}" type="datetimeFigureOut">
               <a:rPr lang="en-US" smtClean="0"/>
-              <a:t>6/29/2021</a:t>
+              <a:t>6/30/2021</a:t>
             </a:fld>
             <a:endParaRPr lang="en-US"/>
           </a:p>
@@ -2081,7 +2166,7 @@
           <a:p>
             <a:fld id="{2A11AA57-4071-4FC9-B184-208BADF0EDDB}" type="datetimeFigureOut">
               <a:rPr lang="en-US" smtClean="0"/>
-              <a:t>6/29/2021</a:t>
+              <a:t>6/30/2021</a:t>
             </a:fld>
             <a:endParaRPr lang="en-US"/>
           </a:p>
@@ -2176,7 +2261,7 @@
           <a:p>
             <a:fld id="{2A11AA57-4071-4FC9-B184-208BADF0EDDB}" type="datetimeFigureOut">
               <a:rPr lang="en-US" smtClean="0"/>
-              <a:t>6/29/2021</a:t>
+              <a:t>6/30/2021</a:t>
             </a:fld>
             <a:endParaRPr lang="en-US"/>
           </a:p>
@@ -2453,7 +2538,7 @@
           <a:p>
             <a:fld id="{2A11AA57-4071-4FC9-B184-208BADF0EDDB}" type="datetimeFigureOut">
               <a:rPr lang="en-US" smtClean="0"/>
-              <a:t>6/29/2021</a:t>
+              <a:t>6/30/2021</a:t>
             </a:fld>
             <a:endParaRPr lang="en-US"/>
           </a:p>
@@ -2710,7 +2795,7 @@
           <a:p>
             <a:fld id="{2A11AA57-4071-4FC9-B184-208BADF0EDDB}" type="datetimeFigureOut">
               <a:rPr lang="en-US" smtClean="0"/>
-              <a:t>6/29/2021</a:t>
+              <a:t>6/30/2021</a:t>
             </a:fld>
             <a:endParaRPr lang="en-US"/>
           </a:p>
@@ -2923,7 +3008,7 @@
           <a:p>
             <a:fld id="{2A11AA57-4071-4FC9-B184-208BADF0EDDB}" type="datetimeFigureOut">
               <a:rPr lang="en-US" smtClean="0"/>
-              <a:t>6/29/2021</a:t>
+              <a:t>6/30/2021</a:t>
             </a:fld>
             <a:endParaRPr lang="en-US"/>
           </a:p>
@@ -3599,12 +3684,79 @@
           <a:chExt cx="0" cy="0"/>
         </a:xfrm>
       </p:grpSpPr>
-      <p:sp>
-        <p:nvSpPr>
-          <p:cNvPr id="11" name="TextBox 10">
+      <p:pic>
+        <p:nvPicPr>
+          <p:cNvPr id="3" name="Picture 2">
             <a:extLst>
               <a:ext uri="{FF2B5EF4-FFF2-40B4-BE49-F238E27FC236}">
-                <a16:creationId xmlns:a16="http://schemas.microsoft.com/office/drawing/2014/main" id="{257321A7-D2B8-4F46-9A35-BD949FCA323A}"/>
+                <a16:creationId xmlns:a16="http://schemas.microsoft.com/office/drawing/2014/main" id="{B9284D20-2E36-4129-BD59-524228992BEA}"/>
+              </a:ext>
+            </a:extLst>
+          </p:cNvPr>
+          <p:cNvPicPr>
+            <a:picLocks noChangeAspect="1"/>
+          </p:cNvPicPr>
+          <p:nvPr/>
+        </p:nvPicPr>
+        <p:blipFill>
+          <a:blip r:embed="rId2"/>
+          <a:stretch>
+            <a:fillRect/>
+          </a:stretch>
+        </p:blipFill>
+        <p:spPr>
+          <a:xfrm>
+            <a:off x="378333" y="1237957"/>
+            <a:ext cx="9314307" cy="5463036"/>
+          </a:xfrm>
+          <a:prstGeom prst="rect">
+            <a:avLst/>
+          </a:prstGeom>
+        </p:spPr>
+      </p:pic>
+      <p:sp>
+        <p:nvSpPr>
+          <p:cNvPr id="4" name="Rectangle 3">
+            <a:extLst>
+              <a:ext uri="{FF2B5EF4-FFF2-40B4-BE49-F238E27FC236}">
+                <a16:creationId xmlns:a16="http://schemas.microsoft.com/office/drawing/2014/main" id="{2FA4D45C-DF05-405E-A604-17AA66C136E0}"/>
+              </a:ext>
+            </a:extLst>
+          </p:cNvPr>
+          <p:cNvSpPr/>
+          <p:nvPr/>
+        </p:nvSpPr>
+        <p:spPr>
+          <a:xfrm>
+            <a:off x="378333" y="680344"/>
+            <a:ext cx="3616696" cy="461665"/>
+          </a:xfrm>
+          <a:prstGeom prst="rect">
+            <a:avLst/>
+          </a:prstGeom>
+          <a:solidFill>
+            <a:srgbClr val="FFC000"/>
+          </a:solidFill>
+        </p:spPr>
+        <p:txBody>
+          <a:bodyPr wrap="none">
+            <a:spAutoFit/>
+          </a:bodyPr>
+          <a:lstStyle/>
+          <a:p>
+            <a:r>
+              <a:rPr lang="en-US" sz="2400" dirty="0"/>
+              <a:t>java -jar lombok-1.18.20.jar</a:t>
+            </a:r>
+          </a:p>
+        </p:txBody>
+      </p:sp>
+      <p:sp>
+        <p:nvSpPr>
+          <p:cNvPr id="5" name="TextBox 4">
+            <a:extLst>
+              <a:ext uri="{FF2B5EF4-FFF2-40B4-BE49-F238E27FC236}">
+                <a16:creationId xmlns:a16="http://schemas.microsoft.com/office/drawing/2014/main" id="{AF684B67-D190-4A27-8355-9C40068F4C79}"/>
               </a:ext>
             </a:extLst>
           </p:cNvPr>
@@ -3649,6 +3801,86 @@
           </a:p>
         </p:txBody>
       </p:sp>
+    </p:spTree>
+    <p:extLst>
+      <p:ext uri="{BB962C8B-B14F-4D97-AF65-F5344CB8AC3E}">
+        <p14:creationId xmlns:p14="http://schemas.microsoft.com/office/powerpoint/2010/main" val="1918424142"/>
+      </p:ext>
+    </p:extLst>
+  </p:cSld>
+  <p:clrMapOvr>
+    <a:masterClrMapping/>
+  </p:clrMapOvr>
+</p:sld>
+</file>
+
+<file path=ppt/slides/slide3.xml><?xml version="1.0" encoding="utf-8"?>
+<p:sld xmlns:a="http://schemas.openxmlformats.org/drawingml/2006/main" xmlns:r="http://schemas.openxmlformats.org/officeDocument/2006/relationships" xmlns:p="http://schemas.openxmlformats.org/presentationml/2006/main">
+  <p:cSld>
+    <p:spTree>
+      <p:nvGrpSpPr>
+        <p:cNvPr id="1" name=""/>
+        <p:cNvGrpSpPr/>
+        <p:nvPr/>
+      </p:nvGrpSpPr>
+      <p:grpSpPr>
+        <a:xfrm>
+          <a:off x="0" y="0"/>
+          <a:ext cx="0" cy="0"/>
+          <a:chOff x="0" y="0"/>
+          <a:chExt cx="0" cy="0"/>
+        </a:xfrm>
+      </p:grpSpPr>
+      <p:sp>
+        <p:nvSpPr>
+          <p:cNvPr id="11" name="TextBox 10">
+            <a:extLst>
+              <a:ext uri="{FF2B5EF4-FFF2-40B4-BE49-F238E27FC236}">
+                <a16:creationId xmlns:a16="http://schemas.microsoft.com/office/drawing/2014/main" id="{257321A7-D2B8-4F46-9A35-BD949FCA323A}"/>
+              </a:ext>
+            </a:extLst>
+          </p:cNvPr>
+          <p:cNvSpPr txBox="1"/>
+          <p:nvPr/>
+        </p:nvSpPr>
+        <p:spPr>
+          <a:xfrm>
+            <a:off x="3235088" y="30398"/>
+            <a:ext cx="6099875" cy="461665"/>
+          </a:xfrm>
+          <a:prstGeom prst="rect">
+            <a:avLst/>
+          </a:prstGeom>
+        </p:spPr>
+        <p:style>
+          <a:lnRef idx="1">
+            <a:schemeClr val="accent1"/>
+          </a:lnRef>
+          <a:fillRef idx="3">
+            <a:schemeClr val="accent1"/>
+          </a:fillRef>
+          <a:effectRef idx="2">
+            <a:schemeClr val="accent1"/>
+          </a:effectRef>
+          <a:fontRef idx="minor">
+            <a:schemeClr val="lt1"/>
+          </a:fontRef>
+        </p:style>
+        <p:txBody>
+          <a:bodyPr wrap="none" rtlCol="0">
+            <a:spAutoFit/>
+          </a:bodyPr>
+          <a:lstStyle/>
+          <a:p>
+            <a:pPr algn="ctr"/>
+            <a:r>
+              <a:rPr lang="en-US" sz="2400" dirty="0"/>
+              <a:t>Project Lombok in Java and How to get started?</a:t>
+            </a:r>
+            <a:endParaRPr lang="en-US" sz="3200" dirty="0"/>
+          </a:p>
+        </p:txBody>
+      </p:sp>
       <p:sp>
         <p:nvSpPr>
           <p:cNvPr id="4" name="Rectangle 3">
@@ -3808,11 +4040,19 @@
               <a:t>() method and generate a default implementation for it. The default implementation prints the class name and the fields in order, separated by commas. You can also skip some fields that you don’t want to print by annotating them with </a:t>
             </a:r>
             <a:r>
-              <a:rPr lang="en-US" sz="1600" i="1" dirty="0"/>
+              <a:rPr lang="en-US" sz="1600" i="1" dirty="0">
+                <a:solidFill>
+                  <a:srgbClr val="C00000"/>
+                </a:solidFill>
+              </a:rPr>
               <a:t>@</a:t>
             </a:r>
             <a:r>
-              <a:rPr lang="en-US" sz="1600" i="1" dirty="0" err="1"/>
+              <a:rPr lang="en-US" sz="1600" i="1" dirty="0" err="1">
+                <a:solidFill>
+                  <a:srgbClr val="C00000"/>
+                </a:solidFill>
+              </a:rPr>
               <a:t>ToString.Exclude</a:t>
             </a:r>
             <a:r>
@@ -3861,15 +4101,27 @@
               <a:t>() methods and provides a default implementation for it. The default implementation uses all the non-static fields, and we can modify it and can exclude some fields using the annotation </a:t>
             </a:r>
             <a:r>
-              <a:rPr lang="en-US" sz="1600" i="1" dirty="0"/>
+              <a:rPr lang="en-US" sz="1600" i="1" dirty="0">
+                <a:solidFill>
+                  <a:srgbClr val="C00000"/>
+                </a:solidFill>
+              </a:rPr>
               <a:t>@</a:t>
             </a:r>
             <a:r>
-              <a:rPr lang="en-US" sz="1600" i="1" dirty="0" err="1"/>
+              <a:rPr lang="en-US" sz="1600" i="1" dirty="0" err="1">
+                <a:solidFill>
+                  <a:srgbClr val="C00000"/>
+                </a:solidFill>
+              </a:rPr>
               <a:t>EqualsAndHashCode.Exclude</a:t>
             </a:r>
             <a:r>
-              <a:rPr lang="en-US" sz="1600" dirty="0"/>
+              <a:rPr lang="en-US" sz="1600" dirty="0">
+                <a:solidFill>
+                  <a:srgbClr val="C00000"/>
+                </a:solidFill>
+              </a:rPr>
               <a:t>. </a:t>
             </a:r>
           </a:p>
@@ -3890,56 +4142,112 @@
               <a:t>This annotation is a shortcut annotation and bundles </a:t>
             </a:r>
             <a:r>
-              <a:rPr lang="en-US" sz="1600" i="1" dirty="0"/>
+              <a:rPr lang="en-US" sz="1600" i="1" dirty="0">
+                <a:solidFill>
+                  <a:srgbClr val="C00000"/>
+                </a:solidFill>
+              </a:rPr>
               <a:t>@</a:t>
             </a:r>
             <a:r>
-              <a:rPr lang="en-US" sz="1600" i="1" dirty="0" err="1"/>
+              <a:rPr lang="en-US" sz="1600" i="1" dirty="0" err="1">
+                <a:solidFill>
+                  <a:srgbClr val="C00000"/>
+                </a:solidFill>
+              </a:rPr>
               <a:t>ToString</a:t>
             </a:r>
             <a:r>
+              <a:rPr lang="en-US" sz="1600" dirty="0">
+                <a:solidFill>
+                  <a:srgbClr val="C00000"/>
+                </a:solidFill>
+              </a:rPr>
+              <a:t>, </a:t>
+            </a:r>
+            <a:r>
+              <a:rPr lang="en-US" sz="1600" i="1" dirty="0">
+                <a:solidFill>
+                  <a:srgbClr val="C00000"/>
+                </a:solidFill>
+              </a:rPr>
+              <a:t>@Getter</a:t>
+            </a:r>
+            <a:r>
+              <a:rPr lang="en-US" sz="1600" dirty="0">
+                <a:solidFill>
+                  <a:srgbClr val="C00000"/>
+                </a:solidFill>
+              </a:rPr>
+              <a:t>, </a:t>
+            </a:r>
+            <a:r>
+              <a:rPr lang="en-US" sz="1600" i="1" dirty="0">
+                <a:solidFill>
+                  <a:srgbClr val="C00000"/>
+                </a:solidFill>
+              </a:rPr>
+              <a:t>@Setter</a:t>
+            </a:r>
+            <a:r>
+              <a:rPr lang="en-US" sz="1600" dirty="0">
+                <a:solidFill>
+                  <a:srgbClr val="C00000"/>
+                </a:solidFill>
+              </a:rPr>
+              <a:t>, </a:t>
+            </a:r>
+            <a:r>
+              <a:rPr lang="en-US" sz="1600" i="1" dirty="0">
+                <a:solidFill>
+                  <a:srgbClr val="C00000"/>
+                </a:solidFill>
+              </a:rPr>
+              <a:t>@</a:t>
+            </a:r>
+            <a:r>
+              <a:rPr lang="en-US" sz="1600" i="1" dirty="0" err="1">
+                <a:solidFill>
+                  <a:srgbClr val="C00000"/>
+                </a:solidFill>
+              </a:rPr>
+              <a:t>EqualsAndHashCode</a:t>
+            </a:r>
+            <a:r>
+              <a:rPr lang="en-US" sz="1600" dirty="0">
+                <a:solidFill>
+                  <a:srgbClr val="C00000"/>
+                </a:solidFill>
+              </a:rPr>
+              <a:t> and </a:t>
+            </a:r>
+            <a:r>
+              <a:rPr lang="en-US" sz="1600" i="1" dirty="0">
+                <a:solidFill>
+                  <a:srgbClr val="C00000"/>
+                </a:solidFill>
+              </a:rPr>
+              <a:t>@</a:t>
+            </a:r>
+            <a:r>
+              <a:rPr lang="en-US" sz="1600" i="1" dirty="0" err="1">
+                <a:solidFill>
+                  <a:srgbClr val="C00000"/>
+                </a:solidFill>
+              </a:rPr>
+              <a:t>RequiredArgsConstructor</a:t>
+            </a:r>
+            <a:r>
+              <a:rPr lang="en-US" sz="1600" dirty="0">
+                <a:solidFill>
+                  <a:srgbClr val="C00000"/>
+                </a:solidFill>
+              </a:rPr>
+              <a:t> </a:t>
+            </a:r>
+            <a:r>
               <a:rPr lang="en-US" sz="1600" dirty="0"/>
-              <a:t>, </a:t>
-            </a:r>
-            <a:r>
-              <a:rPr lang="en-US" sz="1600" i="1" dirty="0"/>
-              <a:t>@Getter</a:t>
-            </a:r>
-            <a:r>
-              <a:rPr lang="en-US" sz="1600" dirty="0"/>
-              <a:t>, </a:t>
-            </a:r>
-            <a:r>
-              <a:rPr lang="en-US" sz="1600" i="1" dirty="0"/>
-              <a:t>@Setter</a:t>
-            </a:r>
-            <a:r>
-              <a:rPr lang="en-US" sz="1600" dirty="0"/>
-              <a:t>, </a:t>
-            </a:r>
-            <a:r>
-              <a:rPr lang="en-US" sz="1600" i="1" dirty="0"/>
-              <a:t>@</a:t>
-            </a:r>
-            <a:r>
-              <a:rPr lang="en-US" sz="1600" i="1" dirty="0" err="1"/>
-              <a:t>EqualsAndHashCode</a:t>
-            </a:r>
-            <a:r>
-              <a:rPr lang="en-US" sz="1600" dirty="0"/>
-              <a:t> and </a:t>
-            </a:r>
-            <a:r>
-              <a:rPr lang="en-US" sz="1600" i="1" dirty="0"/>
-              <a:t>@</a:t>
-            </a:r>
-            <a:r>
-              <a:rPr lang="en-US" sz="1600" i="1" dirty="0" err="1"/>
-              <a:t>RequiredArgsConstructor</a:t>
-            </a:r>
-            <a:r>
-              <a:rPr lang="en-US" sz="1600" dirty="0"/>
-              <a:t> annotations into a single annotation. This annotation provides all the normally used boilerplate code in the model classes of java like getters for all the fields, setter for all the non-final fields, a default implementation for </a:t>
+              <a:t>annotations into a single annotation. This annotation provides all the normally used boilerplate code in the model classes of java like getters for all the fields, setter for all the non-final fields, a default implementation for </a:t>
             </a:r>
             <a:r>
               <a:rPr lang="en-US" sz="1600" dirty="0" err="1"/>
@@ -4014,7 +4322,7 @@
 </p:sld>
 </file>
 
-<file path=ppt/slides/slide3.xml><?xml version="1.0" encoding="utf-8"?>
+<file path=ppt/slides/slide4.xml><?xml version="1.0" encoding="utf-8"?>
 <p:sld xmlns:a="http://schemas.openxmlformats.org/drawingml/2006/main" xmlns:r="http://schemas.openxmlformats.org/officeDocument/2006/relationships" xmlns:p="http://schemas.openxmlformats.org/presentationml/2006/main">
   <p:cSld>
     <p:spTree>
@@ -4181,7 +4489,7 @@
 </p:sld>
 </file>
 
-<file path=ppt/slides/slide4.xml><?xml version="1.0" encoding="utf-8"?>
+<file path=ppt/slides/slide5.xml><?xml version="1.0" encoding="utf-8"?>
 <p:sld xmlns:a="http://schemas.openxmlformats.org/drawingml/2006/main" xmlns:r="http://schemas.openxmlformats.org/officeDocument/2006/relationships" xmlns:p="http://schemas.openxmlformats.org/presentationml/2006/main">
   <p:cSld>
     <p:spTree>
@@ -4200,10 +4508,10 @@
       </p:grpSpPr>
       <p:sp>
         <p:nvSpPr>
-          <p:cNvPr id="2" name="Rectangle 1">
+          <p:cNvPr id="3" name="Rectangle 2">
             <a:extLst>
               <a:ext uri="{FF2B5EF4-FFF2-40B4-BE49-F238E27FC236}">
-                <a16:creationId xmlns:a16="http://schemas.microsoft.com/office/drawing/2014/main" id="{55E999C1-C674-4DAF-B58F-CC7D11EBD92A}"/>
+                <a16:creationId xmlns:a16="http://schemas.microsoft.com/office/drawing/2014/main" id="{710B8888-9405-44D1-A6AD-BE00F957EC3F}"/>
               </a:ext>
             </a:extLst>
           </p:cNvPr>
@@ -4212,36 +4520,255 @@
         </p:nvSpPr>
         <p:spPr>
           <a:xfrm>
-            <a:off x="3048000" y="3105835"/>
-            <a:ext cx="6096000" cy="923330"/>
+            <a:off x="236805" y="1778000"/>
+            <a:ext cx="11059553" cy="2498578"/>
           </a:xfrm>
           <a:prstGeom prst="rect">
             <a:avLst/>
           </a:prstGeom>
         </p:spPr>
-        <p:txBody>
-          <a:bodyPr>
+        <p:style>
+          <a:lnRef idx="2">
+            <a:schemeClr val="accent5"/>
+          </a:lnRef>
+          <a:fillRef idx="1">
+            <a:schemeClr val="lt1"/>
+          </a:fillRef>
+          <a:effectRef idx="0">
+            <a:schemeClr val="accent5"/>
+          </a:effectRef>
+          <a:fontRef idx="minor">
+            <a:schemeClr val="dk1"/>
+          </a:fontRef>
+        </p:style>
+        <p:txBody>
+          <a:bodyPr rtlCol="0" anchor="ctr"/>
+          <a:lstStyle/>
+          <a:p>
+            <a:pPr marL="285750" indent="-285750">
+              <a:buFont typeface="Wingdings" panose="05000000000000000000" pitchFamily="2" charset="2"/>
+              <a:buChar char="ü"/>
+            </a:pPr>
+            <a:r>
+              <a:rPr lang="en-US" sz="1600" dirty="0"/>
+              <a:t>Think about this scenario where you had decided to take advantage of Lombok and already added lots of annotations and suddenly due to some change in the decision-makers in the project, you have been asked to stop using Lombok and need to go with the old way of doing things.</a:t>
+            </a:r>
+          </a:p>
+          <a:p>
+            <a:pPr marL="285750" indent="-285750">
+              <a:buFont typeface="Wingdings" panose="05000000000000000000" pitchFamily="2" charset="2"/>
+              <a:buChar char="ü"/>
+            </a:pPr>
+            <a:endParaRPr lang="en-US" sz="1600" dirty="0"/>
+          </a:p>
+          <a:p>
+            <a:pPr marL="285750" indent="-285750">
+              <a:buFont typeface="Wingdings" panose="05000000000000000000" pitchFamily="2" charset="2"/>
+              <a:buChar char="ü"/>
+            </a:pPr>
+            <a:r>
+              <a:rPr lang="en-US" sz="1600" dirty="0"/>
+              <a:t>Now it would not be a easy task at all to revert all the annotations that has been added with the boilerplate code. To do that Lombok itself has provided some steps, by which we can easily replace the annotated source code by the Lombok generated classes.</a:t>
+            </a:r>
+          </a:p>
+        </p:txBody>
+      </p:sp>
+      <p:sp>
+        <p:nvSpPr>
+          <p:cNvPr id="4" name="TextBox 3">
+            <a:extLst>
+              <a:ext uri="{FF2B5EF4-FFF2-40B4-BE49-F238E27FC236}">
+                <a16:creationId xmlns:a16="http://schemas.microsoft.com/office/drawing/2014/main" id="{F48ABF4C-F534-4A5C-9BAA-9C6B46C81EA0}"/>
+              </a:ext>
+            </a:extLst>
+          </p:cNvPr>
+          <p:cNvSpPr txBox="1"/>
+          <p:nvPr/>
+        </p:nvSpPr>
+        <p:spPr>
+          <a:xfrm>
+            <a:off x="236806" y="1237957"/>
+            <a:ext cx="4926037" cy="400110"/>
+          </a:xfrm>
+          <a:prstGeom prst="rect">
+            <a:avLst/>
+          </a:prstGeom>
+          <a:solidFill>
+            <a:srgbClr val="C00000"/>
+          </a:solidFill>
+          <a:ln>
+            <a:solidFill>
+              <a:srgbClr val="C00000"/>
+            </a:solidFill>
+          </a:ln>
+        </p:spPr>
+        <p:style>
+          <a:lnRef idx="1">
+            <a:schemeClr val="accent5"/>
+          </a:lnRef>
+          <a:fillRef idx="2">
+            <a:schemeClr val="accent5"/>
+          </a:fillRef>
+          <a:effectRef idx="1">
+            <a:schemeClr val="accent5"/>
+          </a:effectRef>
+          <a:fontRef idx="minor">
+            <a:schemeClr val="dk1"/>
+          </a:fontRef>
+        </p:style>
+        <p:txBody>
+          <a:bodyPr wrap="square" rtlCol="0">
             <a:spAutoFit/>
           </a:bodyPr>
           <a:lstStyle/>
           <a:p>
             <a:r>
-              <a:rPr lang="en-US" dirty="0">
-                <a:hlinkClick r:id="rId2"/>
+              <a:rPr lang="en-US" sz="2000" dirty="0">
+                <a:solidFill>
+                  <a:schemeClr val="bg1"/>
+                </a:solidFill>
               </a:rPr>
-              <a:t>https://www.geeksforgeeks.org/introduction-to-project-lombok-in-java-and-how-to-get-started/</a:t>
-            </a:r>
-            <a:endParaRPr lang="en-US" dirty="0"/>
-          </a:p>
-          <a:p>
-            <a:endParaRPr lang="en-US" dirty="0"/>
+              <a:t>Delomboking – Rollback Lombok from Project</a:t>
+            </a:r>
+          </a:p>
+        </p:txBody>
+      </p:sp>
+      <p:sp>
+        <p:nvSpPr>
+          <p:cNvPr id="5" name="Rectangle 4">
+            <a:extLst>
+              <a:ext uri="{FF2B5EF4-FFF2-40B4-BE49-F238E27FC236}">
+                <a16:creationId xmlns:a16="http://schemas.microsoft.com/office/drawing/2014/main" id="{90476A12-C3A9-4BE6-86F7-18C84077FD11}"/>
+              </a:ext>
+            </a:extLst>
+          </p:cNvPr>
+          <p:cNvSpPr/>
+          <p:nvPr/>
+        </p:nvSpPr>
+        <p:spPr>
+          <a:xfrm>
+            <a:off x="1084383" y="5219608"/>
+            <a:ext cx="9364395" cy="461665"/>
+          </a:xfrm>
+          <a:prstGeom prst="rect">
+            <a:avLst/>
+          </a:prstGeom>
+        </p:spPr>
+        <p:style>
+          <a:lnRef idx="2">
+            <a:schemeClr val="accent4"/>
+          </a:lnRef>
+          <a:fillRef idx="1">
+            <a:schemeClr val="lt1"/>
+          </a:fillRef>
+          <a:effectRef idx="0">
+            <a:schemeClr val="accent4"/>
+          </a:effectRef>
+          <a:fontRef idx="minor">
+            <a:schemeClr val="dk1"/>
+          </a:fontRef>
+        </p:style>
+        <p:txBody>
+          <a:bodyPr wrap="square">
+            <a:spAutoFit/>
+          </a:bodyPr>
+          <a:lstStyle/>
+          <a:p>
+            <a:pPr algn="ctr"/>
+            <a:r>
+              <a:rPr lang="en-US" sz="2400" dirty="0"/>
+              <a:t>java -jar lombok-1.18.20.jar </a:t>
+            </a:r>
+            <a:r>
+              <a:rPr lang="en-US" sz="2400" dirty="0" err="1"/>
+              <a:t>delombok</a:t>
+            </a:r>
+            <a:r>
+              <a:rPr lang="en-US" sz="2400" dirty="0"/>
+              <a:t> </a:t>
+            </a:r>
+            <a:r>
+              <a:rPr lang="en-US" sz="2400" dirty="0" err="1">
+                <a:solidFill>
+                  <a:srgbClr val="C00000"/>
+                </a:solidFill>
+              </a:rPr>
+              <a:t>src</a:t>
+            </a:r>
+            <a:r>
+              <a:rPr lang="en-US" sz="2400" dirty="0"/>
+              <a:t> -d </a:t>
+            </a:r>
+            <a:r>
+              <a:rPr lang="en-US" sz="2400" dirty="0" err="1">
+                <a:solidFill>
+                  <a:srgbClr val="C00000"/>
+                </a:solidFill>
+              </a:rPr>
+              <a:t>src-delomboked</a:t>
+            </a:r>
+            <a:endParaRPr lang="en-US" sz="2400" dirty="0">
+              <a:solidFill>
+                <a:srgbClr val="C00000"/>
+              </a:solidFill>
+            </a:endParaRPr>
+          </a:p>
+        </p:txBody>
+      </p:sp>
+      <p:sp>
+        <p:nvSpPr>
+          <p:cNvPr id="6" name="TextBox 5">
+            <a:extLst>
+              <a:ext uri="{FF2B5EF4-FFF2-40B4-BE49-F238E27FC236}">
+                <a16:creationId xmlns:a16="http://schemas.microsoft.com/office/drawing/2014/main" id="{B28830FD-0110-4C0B-B786-CACDD7370495}"/>
+              </a:ext>
+            </a:extLst>
+          </p:cNvPr>
+          <p:cNvSpPr txBox="1"/>
+          <p:nvPr/>
+        </p:nvSpPr>
+        <p:spPr>
+          <a:xfrm>
+            <a:off x="3235088" y="30398"/>
+            <a:ext cx="6099875" cy="461665"/>
+          </a:xfrm>
+          <a:prstGeom prst="rect">
+            <a:avLst/>
+          </a:prstGeom>
+        </p:spPr>
+        <p:style>
+          <a:lnRef idx="1">
+            <a:schemeClr val="accent1"/>
+          </a:lnRef>
+          <a:fillRef idx="3">
+            <a:schemeClr val="accent1"/>
+          </a:fillRef>
+          <a:effectRef idx="2">
+            <a:schemeClr val="accent1"/>
+          </a:effectRef>
+          <a:fontRef idx="minor">
+            <a:schemeClr val="lt1"/>
+          </a:fontRef>
+        </p:style>
+        <p:txBody>
+          <a:bodyPr wrap="none" rtlCol="0">
+            <a:spAutoFit/>
+          </a:bodyPr>
+          <a:lstStyle/>
+          <a:p>
+            <a:pPr algn="ctr"/>
+            <a:r>
+              <a:rPr lang="en-US" sz="2400" dirty="0"/>
+              <a:t>Project Lombok in Java and How to get started?</a:t>
+            </a:r>
+            <a:endParaRPr lang="en-US" sz="3200" dirty="0"/>
           </a:p>
         </p:txBody>
       </p:sp>
     </p:spTree>
     <p:extLst>
       <p:ext uri="{BB962C8B-B14F-4D97-AF65-F5344CB8AC3E}">
-        <p14:creationId xmlns:p14="http://schemas.microsoft.com/office/powerpoint/2010/main" val="682942617"/>
+        <p14:creationId xmlns:p14="http://schemas.microsoft.com/office/powerpoint/2010/main" val="3766347317"/>
       </p:ext>
     </p:extLst>
   </p:cSld>
